--- a/.gitbook/gitbook-image.pptx
+++ b/.gitbook/gitbook-image.pptx
@@ -3117,42 +3117,6 @@
           <a:chExt cx="0" cy="0"/>
         </a:xfrm>
       </p:grpSpPr>
-      <p:cxnSp>
-        <p:nvCxnSpPr>
-          <p:cNvPr id="3" name="Straight Arrow Connector 2"/>
-          <p:cNvCxnSpPr/>
-          <p:nvPr/>
-        </p:nvCxnSpPr>
-        <p:spPr>
-          <a:xfrm>
-            <a:off x="2915920" y="3351530"/>
-            <a:ext cx="1411605" cy="9525"/>
-          </a:xfrm>
-          <a:prstGeom prst="straightConnector1">
-            <a:avLst/>
-          </a:prstGeom>
-          <a:ln w="63500">
-            <a:solidFill>
-              <a:schemeClr val="tx1"/>
-            </a:solidFill>
-            <a:tailEnd type="triangle"/>
-          </a:ln>
-        </p:spPr>
-        <p:style>
-          <a:lnRef idx="1">
-            <a:schemeClr val="accent1"/>
-          </a:lnRef>
-          <a:fillRef idx="0">
-            <a:schemeClr val="accent1"/>
-          </a:fillRef>
-          <a:effectRef idx="0">
-            <a:schemeClr val="accent1"/>
-          </a:effectRef>
-          <a:fontRef idx="minor">
-            <a:schemeClr val="tx1"/>
-          </a:fontRef>
-        </p:style>
-      </p:cxnSp>
       <p:sp>
         <p:nvSpPr>
           <p:cNvPr id="6" name="Right Arrow 5"/>
@@ -3200,8 +3164,8 @@
         </p:nvSpPr>
         <p:spPr>
           <a:xfrm>
-            <a:off x="9161145" y="2630170"/>
-            <a:ext cx="2983865" cy="1303655"/>
+            <a:off x="9604375" y="2630170"/>
+            <a:ext cx="2623185" cy="1303655"/>
           </a:xfrm>
           <a:prstGeom prst="snip2DiagRect">
             <a:avLst/>
@@ -3239,7 +3203,23 @@
                   <a:schemeClr val="tx1"/>
                 </a:solidFill>
               </a:rPr>
-              <a:t>Output (HTML format)</a:t>
+              <a:t>Output (HTML </a:t>
+            </a:r>
+            <a:r>
+              <a:rPr kumimoji="1" lang="" altLang="en-US" dirty="0" smtClean="0">
+                <a:solidFill>
+                  <a:schemeClr val="tx1"/>
+                </a:solidFill>
+              </a:rPr>
+              <a:t>格式</a:t>
+            </a:r>
+            <a:r>
+              <a:rPr kumimoji="1" lang="en-US" altLang="en-US" dirty="0" smtClean="0">
+                <a:solidFill>
+                  <a:schemeClr val="tx1"/>
+                </a:solidFill>
+              </a:rPr>
+              <a:t>)</a:t>
             </a:r>
             <a:endParaRPr kumimoji="1" lang="en-US" altLang="en-US" dirty="0">
               <a:solidFill>
@@ -3439,9 +3419,9 @@
         </p:nvGrpSpPr>
         <p:grpSpPr>
           <a:xfrm>
-            <a:off x="4458970" y="1409700"/>
+            <a:off x="4244975" y="1496060"/>
             <a:ext cx="3017520" cy="3743960"/>
-            <a:chOff x="7489" y="2221"/>
+            <a:chOff x="7331" y="2338"/>
             <a:chExt cx="4752" cy="5896"/>
           </a:xfrm>
         </p:grpSpPr>
@@ -3453,7 +3433,7 @@
           </p:nvSpPr>
           <p:spPr>
             <a:xfrm>
-              <a:off x="7489" y="2221"/>
+              <a:off x="7331" y="2338"/>
               <a:ext cx="4752" cy="5896"/>
             </a:xfrm>
             <a:prstGeom prst="rect">
@@ -3675,45 +3655,96 @@
           </p:txBody>
         </p:sp>
       </p:grpSp>
-      <p:sp>
-        <p:nvSpPr>
-          <p:cNvPr id="14" name="Text Box 13"/>
-          <p:cNvSpPr txBox="1"/>
+      <p:grpSp>
+        <p:nvGrpSpPr>
+          <p:cNvPr id="15" name="Group 14"/>
+          <p:cNvGrpSpPr/>
           <p:nvPr/>
-        </p:nvSpPr>
-        <p:spPr>
+        </p:nvGrpSpPr>
+        <p:grpSpPr>
           <a:xfrm>
-            <a:off x="3041015" y="2821305"/>
-            <a:ext cx="1160780" cy="460375"/>
+            <a:off x="2813050" y="2856230"/>
+            <a:ext cx="1410970" cy="539115"/>
+            <a:chOff x="4592" y="4443"/>
+            <a:chExt cx="2222" cy="849"/>
           </a:xfrm>
-          <a:prstGeom prst="rect">
-            <a:avLst/>
-          </a:prstGeom>
-          <a:noFill/>
-        </p:spPr>
-        <p:txBody>
-          <a:bodyPr wrap="square" rtlCol="0">
-            <a:spAutoFit/>
-          </a:bodyPr>
-          <a:p>
-            <a:r>
-              <a:rPr lang="en-US" altLang="en-US" sz="2400"/>
-              <a:t>R 脚本</a:t>
-            </a:r>
-            <a:endParaRPr lang="en-US" altLang="en-US" sz="2400"/>
-          </a:p>
-        </p:txBody>
-      </p:sp>
+        </p:grpSpPr>
+        <p:cxnSp>
+          <p:nvCxnSpPr>
+            <p:cNvPr id="3" name="Straight Arrow Connector 2"/>
+            <p:cNvCxnSpPr/>
+            <p:nvPr/>
+          </p:nvCxnSpPr>
+          <p:spPr>
+            <a:xfrm>
+              <a:off x="4592" y="5278"/>
+              <a:ext cx="2223" cy="15"/>
+            </a:xfrm>
+            <a:prstGeom prst="straightConnector1">
+              <a:avLst/>
+            </a:prstGeom>
+            <a:ln w="63500">
+              <a:solidFill>
+                <a:schemeClr val="tx1"/>
+              </a:solidFill>
+              <a:tailEnd type="triangle"/>
+            </a:ln>
+          </p:spPr>
+          <p:style>
+            <a:lnRef idx="1">
+              <a:schemeClr val="accent1"/>
+            </a:lnRef>
+            <a:fillRef idx="0">
+              <a:schemeClr val="accent1"/>
+            </a:fillRef>
+            <a:effectRef idx="0">
+              <a:schemeClr val="accent1"/>
+            </a:effectRef>
+            <a:fontRef idx="minor">
+              <a:schemeClr val="tx1"/>
+            </a:fontRef>
+          </p:style>
+        </p:cxnSp>
+        <p:sp>
+          <p:nvSpPr>
+            <p:cNvPr id="14" name="Text Box 13"/>
+            <p:cNvSpPr txBox="1"/>
+            <p:nvPr/>
+          </p:nvSpPr>
+          <p:spPr>
+            <a:xfrm>
+              <a:off x="4789" y="4443"/>
+              <a:ext cx="1828" cy="725"/>
+            </a:xfrm>
+            <a:prstGeom prst="rect">
+              <a:avLst/>
+            </a:prstGeom>
+            <a:noFill/>
+          </p:spPr>
+          <p:txBody>
+            <a:bodyPr wrap="square" rtlCol="0">
+              <a:spAutoFit/>
+            </a:bodyPr>
+            <a:p>
+              <a:r>
+                <a:rPr lang="en-US" altLang="en-US" sz="2400"/>
+                <a:t>R 脚本</a:t>
+              </a:r>
+              <a:endParaRPr lang="en-US" altLang="en-US" sz="2400"/>
+            </a:p>
+          </p:txBody>
+        </p:sp>
+      </p:grpSp>
       <p:cxnSp>
         <p:nvCxnSpPr>
-          <p:cNvPr id="31" name="Straight Arrow Connector 30"/>
+          <p:cNvPr id="35" name="Straight Arrow Connector 34"/>
           <p:cNvCxnSpPr/>
           <p:nvPr/>
         </p:nvCxnSpPr>
         <p:spPr>
           <a:xfrm>
-            <a:off x="3042920" y="3478530"/>
-            <a:ext cx="1411605" cy="9525"/>
+            <a:off x="7336155" y="3424555"/>
+            <a:ext cx="2236470" cy="8890"/>
           </a:xfrm>
           <a:prstGeom prst="straightConnector1">
             <a:avLst/>
@@ -3740,100 +3771,30 @@
           </a:fontRef>
         </p:style>
       </p:cxnSp>
-      <p:sp>
-        <p:nvSpPr>
-          <p:cNvPr id="32" name="Text Box 31"/>
-          <p:cNvSpPr txBox="1"/>
+      <p:pic>
+        <p:nvPicPr>
+          <p:cNvPr id="2" name="Picture 1"/>
+          <p:cNvPicPr>
+            <a:picLocks noChangeAspect="1"/>
+          </p:cNvPicPr>
           <p:nvPr/>
-        </p:nvSpPr>
+        </p:nvPicPr>
+        <p:blipFill>
+          <a:blip r:embed="rId1"/>
+          <a:stretch>
+            <a:fillRect/>
+          </a:stretch>
+        </p:blipFill>
         <p:spPr>
           <a:xfrm>
-            <a:off x="3168015" y="2948305"/>
-            <a:ext cx="1160780" cy="460375"/>
+            <a:off x="7506335" y="2316480"/>
+            <a:ext cx="1895475" cy="1000125"/>
           </a:xfrm>
           <a:prstGeom prst="rect">
             <a:avLst/>
           </a:prstGeom>
-          <a:noFill/>
         </p:spPr>
-        <p:txBody>
-          <a:bodyPr wrap="square" rtlCol="0">
-            <a:spAutoFit/>
-          </a:bodyPr>
-          <a:p>
-            <a:r>
-              <a:rPr lang="en-US" altLang="en-US" sz="2400"/>
-              <a:t>R 脚本</a:t>
-            </a:r>
-            <a:endParaRPr lang="en-US" altLang="en-US" sz="2400"/>
-          </a:p>
-        </p:txBody>
-      </p:sp>
-      <p:cxnSp>
-        <p:nvCxnSpPr>
-          <p:cNvPr id="35" name="Straight Arrow Connector 34"/>
-          <p:cNvCxnSpPr/>
-          <p:nvPr/>
-        </p:nvCxnSpPr>
-        <p:spPr>
-          <a:xfrm>
-            <a:off x="7613650" y="3421380"/>
-            <a:ext cx="1411605" cy="9525"/>
-          </a:xfrm>
-          <a:prstGeom prst="straightConnector1">
-            <a:avLst/>
-          </a:prstGeom>
-          <a:ln w="63500">
-            <a:solidFill>
-              <a:schemeClr val="tx1"/>
-            </a:solidFill>
-            <a:tailEnd type="triangle"/>
-          </a:ln>
-        </p:spPr>
-        <p:style>
-          <a:lnRef idx="1">
-            <a:schemeClr val="accent1"/>
-          </a:lnRef>
-          <a:fillRef idx="0">
-            <a:schemeClr val="accent1"/>
-          </a:fillRef>
-          <a:effectRef idx="0">
-            <a:schemeClr val="accent1"/>
-          </a:effectRef>
-          <a:fontRef idx="minor">
-            <a:schemeClr val="tx1"/>
-          </a:fontRef>
-        </p:style>
-      </p:cxnSp>
-      <p:sp>
-        <p:nvSpPr>
-          <p:cNvPr id="36" name="Text Box 35"/>
-          <p:cNvSpPr txBox="1"/>
-          <p:nvPr/>
-        </p:nvSpPr>
-        <p:spPr>
-          <a:xfrm>
-            <a:off x="7738745" y="2891155"/>
-            <a:ext cx="1160780" cy="460375"/>
-          </a:xfrm>
-          <a:prstGeom prst="rect">
-            <a:avLst/>
-          </a:prstGeom>
-          <a:noFill/>
-        </p:spPr>
-        <p:txBody>
-          <a:bodyPr wrap="square" rtlCol="0">
-            <a:spAutoFit/>
-          </a:bodyPr>
-          <a:p>
-            <a:r>
-              <a:rPr lang="en-US" altLang="en-US" sz="2400"/>
-              <a:t>GSEA</a:t>
-            </a:r>
-            <a:endParaRPr lang="en-US" altLang="en-US" sz="2400"/>
-          </a:p>
-        </p:txBody>
-      </p:sp>
+      </p:pic>
     </p:spTree>
   </p:cSld>
   <p:clrMapOvr>

--- a/.gitbook/gitbook-image.pptx
+++ b/.gitbook/gitbook-image.pptx
@@ -3119,52 +3119,13 @@
       </p:grpSpPr>
       <p:sp>
         <p:nvSpPr>
-          <p:cNvPr id="6" name="Right Arrow 5"/>
-          <p:cNvSpPr/>
-          <p:nvPr/>
-        </p:nvSpPr>
-        <p:spPr>
-          <a:xfrm rot="5400000">
-            <a:off x="5692140" y="3043555"/>
-            <a:ext cx="694055" cy="275590"/>
-          </a:xfrm>
-          <a:prstGeom prst="rightArrow">
-            <a:avLst/>
-          </a:prstGeom>
-        </p:spPr>
-        <p:style>
-          <a:lnRef idx="2">
-            <a:schemeClr val="accent1">
-              <a:shade val="50000"/>
-            </a:schemeClr>
-          </a:lnRef>
-          <a:fillRef idx="1">
-            <a:schemeClr val="accent1"/>
-          </a:fillRef>
-          <a:effectRef idx="0">
-            <a:schemeClr val="accent1"/>
-          </a:effectRef>
-          <a:fontRef idx="minor">
-            <a:schemeClr val="lt1"/>
-          </a:fontRef>
-        </p:style>
-        <p:txBody>
-          <a:bodyPr rtlCol="0" anchor="ctr"/>
-          <a:p>
-            <a:pPr algn="ctr"/>
-            <a:endParaRPr lang="en-US"/>
-          </a:p>
-        </p:txBody>
-      </p:sp>
-      <p:sp>
-        <p:nvSpPr>
           <p:cNvPr id="8" name="Snip Diagonal Corner Rectangle 7"/>
           <p:cNvSpPr/>
           <p:nvPr/>
         </p:nvSpPr>
         <p:spPr>
           <a:xfrm>
-            <a:off x="9604375" y="2630170"/>
+            <a:off x="9571355" y="2774950"/>
             <a:ext cx="2623185" cy="1303655"/>
           </a:xfrm>
           <a:prstGeom prst="snip2DiagRect">
@@ -3203,23 +3164,7 @@
                   <a:schemeClr val="tx1"/>
                 </a:solidFill>
               </a:rPr>
-              <a:t>Output (HTML </a:t>
-            </a:r>
-            <a:r>
-              <a:rPr kumimoji="1" lang="" altLang="en-US" dirty="0" smtClean="0">
-                <a:solidFill>
-                  <a:schemeClr val="tx1"/>
-                </a:solidFill>
-              </a:rPr>
-              <a:t>格式</a:t>
-            </a:r>
-            <a:r>
-              <a:rPr kumimoji="1" lang="en-US" altLang="en-US" dirty="0" smtClean="0">
-                <a:solidFill>
-                  <a:schemeClr val="tx1"/>
-                </a:solidFill>
-              </a:rPr>
-              <a:t>)</a:t>
+              <a:t>Output (HTML 格式)</a:t>
             </a:r>
             <a:endParaRPr kumimoji="1" lang="en-US" altLang="en-US" dirty="0">
               <a:solidFill>
@@ -3419,7 +3364,7 @@
         </p:nvGrpSpPr>
         <p:grpSpPr>
           <a:xfrm>
-            <a:off x="4244975" y="1496060"/>
+            <a:off x="4232275" y="1557020"/>
             <a:ext cx="3017520" cy="3743960"/>
             <a:chOff x="7331" y="2338"/>
             <a:chExt cx="4752" cy="5896"/>
@@ -3663,7 +3608,7 @@
         </p:nvGrpSpPr>
         <p:grpSpPr>
           <a:xfrm>
-            <a:off x="2813050" y="2856230"/>
+            <a:off x="2805430" y="2784475"/>
             <a:ext cx="1410970" cy="539115"/>
             <a:chOff x="4592" y="4443"/>
             <a:chExt cx="2222" cy="849"/>
@@ -3735,66 +3680,81 @@
           </p:txBody>
         </p:sp>
       </p:grpSp>
-      <p:cxnSp>
-        <p:nvCxnSpPr>
-          <p:cNvPr id="35" name="Straight Arrow Connector 34"/>
-          <p:cNvCxnSpPr/>
+      <p:grpSp>
+        <p:nvGrpSpPr>
+          <p:cNvPr id="16" name="Group 15"/>
+          <p:cNvGrpSpPr/>
           <p:nvPr/>
-        </p:nvCxnSpPr>
-        <p:spPr>
+        </p:nvGrpSpPr>
+        <p:grpSpPr>
           <a:xfrm>
-            <a:off x="7336155" y="3424555"/>
-            <a:ext cx="2236470" cy="8890"/>
+            <a:off x="7313295" y="2314575"/>
+            <a:ext cx="2236470" cy="1116965"/>
+            <a:chOff x="11553" y="3648"/>
+            <a:chExt cx="3522" cy="1759"/>
           </a:xfrm>
-          <a:prstGeom prst="straightConnector1">
-            <a:avLst/>
-          </a:prstGeom>
-          <a:ln w="63500">
-            <a:solidFill>
+        </p:grpSpPr>
+        <p:cxnSp>
+          <p:nvCxnSpPr>
+            <p:cNvPr id="35" name="Straight Arrow Connector 34"/>
+            <p:cNvCxnSpPr/>
+            <p:nvPr/>
+          </p:nvCxnSpPr>
+          <p:spPr>
+            <a:xfrm>
+              <a:off x="11553" y="5393"/>
+              <a:ext cx="3522" cy="14"/>
+            </a:xfrm>
+            <a:prstGeom prst="straightConnector1">
+              <a:avLst/>
+            </a:prstGeom>
+            <a:ln w="63500">
+              <a:solidFill>
+                <a:schemeClr val="tx1"/>
+              </a:solidFill>
+              <a:tailEnd type="triangle"/>
+            </a:ln>
+          </p:spPr>
+          <p:style>
+            <a:lnRef idx="1">
+              <a:schemeClr val="accent1"/>
+            </a:lnRef>
+            <a:fillRef idx="0">
+              <a:schemeClr val="accent1"/>
+            </a:fillRef>
+            <a:effectRef idx="0">
+              <a:schemeClr val="accent1"/>
+            </a:effectRef>
+            <a:fontRef idx="minor">
               <a:schemeClr val="tx1"/>
-            </a:solidFill>
-            <a:tailEnd type="triangle"/>
-          </a:ln>
-        </p:spPr>
-        <p:style>
-          <a:lnRef idx="1">
-            <a:schemeClr val="accent1"/>
-          </a:lnRef>
-          <a:fillRef idx="0">
-            <a:schemeClr val="accent1"/>
-          </a:fillRef>
-          <a:effectRef idx="0">
-            <a:schemeClr val="accent1"/>
-          </a:effectRef>
-          <a:fontRef idx="minor">
-            <a:schemeClr val="tx1"/>
-          </a:fontRef>
-        </p:style>
-      </p:cxnSp>
-      <p:pic>
-        <p:nvPicPr>
-          <p:cNvPr id="2" name="Picture 1"/>
-          <p:cNvPicPr>
-            <a:picLocks noChangeAspect="1"/>
-          </p:cNvPicPr>
-          <p:nvPr/>
-        </p:nvPicPr>
-        <p:blipFill>
-          <a:blip r:embed="rId1"/>
-          <a:stretch>
-            <a:fillRect/>
-          </a:stretch>
-        </p:blipFill>
-        <p:spPr>
-          <a:xfrm>
-            <a:off x="7506335" y="2316480"/>
-            <a:ext cx="1895475" cy="1000125"/>
-          </a:xfrm>
-          <a:prstGeom prst="rect">
-            <a:avLst/>
-          </a:prstGeom>
-        </p:spPr>
-      </p:pic>
+            </a:fontRef>
+          </p:style>
+        </p:cxnSp>
+        <p:pic>
+          <p:nvPicPr>
+            <p:cNvPr id="2" name="Picture 1"/>
+            <p:cNvPicPr>
+              <a:picLocks noChangeAspect="1"/>
+            </p:cNvPicPr>
+            <p:nvPr/>
+          </p:nvPicPr>
+          <p:blipFill>
+            <a:blip r:embed="rId1"/>
+            <a:stretch>
+              <a:fillRect/>
+            </a:stretch>
+          </p:blipFill>
+          <p:spPr>
+            <a:xfrm>
+              <a:off x="11821" y="3648"/>
+              <a:ext cx="2985" cy="1575"/>
+            </a:xfrm>
+            <a:prstGeom prst="rect">
+              <a:avLst/>
+            </a:prstGeom>
+          </p:spPr>
+        </p:pic>
+      </p:grpSp>
     </p:spTree>
   </p:cSld>
   <p:clrMapOvr>
